--- a/app/app_sitelette/sitefiles/common_docs_legal/DifferentOptions.pptx
+++ b/app/app_sitelette/sitefiles/common_docs_legal/DifferentOptions.pptx
@@ -104,6 +104,11 @@
       </a:defRPr>
     </a:lvl9pPr>
   </p:defaultTextStyle>
+  <p:extLst>
+    <p:ext uri="{EFAFB233-063F-42B5-8137-9DF3F51BA10A}">
+      <p15:sldGuideLst xmlns:p15="http://schemas.microsoft.com/office/powerpoint/2012/main"/>
+    </p:ext>
+  </p:extLst>
 </p:presentation>
 </file>
 
@@ -2963,7 +2968,7 @@
         </p:blipFill>
         <p:spPr>
           <a:xfrm>
-            <a:off x="1401098" y="2489617"/>
+            <a:off x="-1457773" y="331889"/>
             <a:ext cx="884901" cy="1534316"/>
           </a:xfrm>
           <a:prstGeom prst="rect">
@@ -2993,7 +2998,7 @@
         </p:blipFill>
         <p:spPr>
           <a:xfrm>
-            <a:off x="1311291" y="716369"/>
+            <a:off x="-3633051" y="273245"/>
             <a:ext cx="800079" cy="1440995"/>
           </a:xfrm>
           <a:prstGeom prst="rect">
@@ -3023,7 +3028,7 @@
         </p:blipFill>
         <p:spPr>
           <a:xfrm>
-            <a:off x="3201083" y="2489617"/>
+            <a:off x="-1702679" y="3039605"/>
             <a:ext cx="774924" cy="1396259"/>
           </a:xfrm>
           <a:prstGeom prst="rect">
@@ -3102,8 +3107,8 @@
         </p:blipFill>
         <p:spPr>
           <a:xfrm>
-            <a:off x="-8176633" y="5594377"/>
-            <a:ext cx="1155511" cy="2072647"/>
+            <a:off x="1034710" y="745127"/>
+            <a:ext cx="872200" cy="1564470"/>
           </a:xfrm>
           <a:prstGeom prst="rect">
             <a:avLst/>
@@ -3913,7 +3918,7 @@
         </p:nvSpPr>
         <p:spPr>
           <a:xfrm>
-            <a:off x="3526206" y="5478650"/>
+            <a:off x="-2825113" y="700449"/>
             <a:ext cx="1002197" cy="646331"/>
           </a:xfrm>
           <a:prstGeom prst="rect">
@@ -5157,6 +5162,36 @@
           <a:xfrm>
             <a:off x="-9132474" y="2125028"/>
             <a:ext cx="1051146" cy="1893956"/>
+          </a:xfrm>
+          <a:prstGeom prst="rect">
+            <a:avLst/>
+          </a:prstGeom>
+        </p:spPr>
+      </p:pic>
+      <p:pic>
+        <p:nvPicPr>
+          <p:cNvPr id="58" name="Picture 57"/>
+          <p:cNvPicPr>
+            <a:picLocks noChangeAspect="1"/>
+          </p:cNvPicPr>
+          <p:nvPr/>
+        </p:nvPicPr>
+        <p:blipFill>
+          <a:blip r:embed="rId8">
+            <a:extLst>
+              <a:ext uri="{28A0092B-C50C-407E-A947-70E740481C1C}">
+                <a14:useLocalDpi xmlns:a14="http://schemas.microsoft.com/office/drawing/2010/main" val="0"/>
+              </a:ext>
+            </a:extLst>
+          </a:blip>
+          <a:stretch>
+            <a:fillRect/>
+          </a:stretch>
+        </p:blipFill>
+        <p:spPr>
+          <a:xfrm>
+            <a:off x="797441" y="2827496"/>
+            <a:ext cx="1681966" cy="2022071"/>
           </a:xfrm>
           <a:prstGeom prst="rect">
             <a:avLst/>
